--- a/Lecture/Programming 1/Programming_1_Lecture.pptx
+++ b/Lecture/Programming 1/Programming_1_Lecture.pptx
@@ -298,7 +298,7 @@
               <a:pPr>
                 <a:defRPr/>
               </a:pPr>
-              <a:t>2/19/2019</a:t>
+              <a:t>10/1/2020</a:t>
             </a:fld>
             <a:endParaRPr lang="en-US" dirty="0"/>
           </a:p>
@@ -510,7 +510,7 @@
               <a:pPr>
                 <a:defRPr/>
               </a:pPr>
-              <a:t>2/19/2019</a:t>
+              <a:t>10/1/2020</a:t>
             </a:fld>
             <a:endParaRPr lang="en-US" dirty="0"/>
           </a:p>
@@ -1029,7 +1029,7 @@
               <a:pPr>
                 <a:defRPr/>
               </a:pPr>
-              <a:t>2/19/2019</a:t>
+              <a:t>10/1/2020</a:t>
             </a:fld>
             <a:endParaRPr lang="en-US" dirty="0"/>
           </a:p>
@@ -1219,7 +1219,7 @@
               <a:pPr>
                 <a:defRPr/>
               </a:pPr>
-              <a:t>2/19/2019</a:t>
+              <a:t>10/1/2020</a:t>
             </a:fld>
             <a:endParaRPr lang="en-US" dirty="0"/>
           </a:p>
@@ -1419,7 +1419,7 @@
               <a:pPr>
                 <a:defRPr/>
               </a:pPr>
-              <a:t>2/19/2019</a:t>
+              <a:t>10/1/2020</a:t>
             </a:fld>
             <a:endParaRPr lang="en-US" dirty="0"/>
           </a:p>
@@ -1687,7 +1687,7 @@
               <a:pPr>
                 <a:defRPr/>
               </a:pPr>
-              <a:t>2/19/2019</a:t>
+              <a:t>10/1/2020</a:t>
             </a:fld>
             <a:endParaRPr lang="en-US" dirty="0">
               <a:solidFill>
@@ -1901,7 +1901,7 @@
               <a:pPr>
                 <a:defRPr/>
               </a:pPr>
-              <a:t>2/19/2019</a:t>
+              <a:t>10/1/2020</a:t>
             </a:fld>
             <a:endParaRPr lang="en-US" dirty="0">
               <a:solidFill>
@@ -2192,7 +2192,7 @@
               <a:pPr>
                 <a:defRPr/>
               </a:pPr>
-              <a:t>2/19/2019</a:t>
+              <a:t>10/1/2020</a:t>
             </a:fld>
             <a:endParaRPr lang="en-US" dirty="0">
               <a:solidFill>
@@ -2523,7 +2523,7 @@
               <a:pPr>
                 <a:defRPr/>
               </a:pPr>
-              <a:t>2/19/2019</a:t>
+              <a:t>10/1/2020</a:t>
             </a:fld>
             <a:endParaRPr lang="en-US" dirty="0">
               <a:solidFill>
@@ -2988,7 +2988,7 @@
               <a:pPr>
                 <a:defRPr/>
               </a:pPr>
-              <a:t>2/19/2019</a:t>
+              <a:t>10/1/2020</a:t>
             </a:fld>
             <a:endParaRPr lang="en-US" dirty="0">
               <a:solidFill>
@@ -3151,7 +3151,7 @@
               <a:pPr>
                 <a:defRPr/>
               </a:pPr>
-              <a:t>2/19/2019</a:t>
+              <a:t>10/1/2020</a:t>
             </a:fld>
             <a:endParaRPr lang="en-US" dirty="0">
               <a:solidFill>
@@ -3292,7 +3292,7 @@
               <a:pPr>
                 <a:defRPr/>
               </a:pPr>
-              <a:t>2/19/2019</a:t>
+              <a:t>10/1/2020</a:t>
             </a:fld>
             <a:endParaRPr lang="en-US" dirty="0">
               <a:solidFill>
@@ -3613,7 +3613,7 @@
               <a:pPr>
                 <a:defRPr/>
               </a:pPr>
-              <a:t>2/19/2019</a:t>
+              <a:t>10/1/2020</a:t>
             </a:fld>
             <a:endParaRPr lang="en-US" dirty="0">
               <a:solidFill>
@@ -3821,7 +3821,7 @@
               <a:pPr>
                 <a:defRPr/>
               </a:pPr>
-              <a:t>2/19/2019</a:t>
+              <a:t>10/1/2020</a:t>
             </a:fld>
             <a:endParaRPr lang="en-US" dirty="0"/>
           </a:p>
@@ -4104,7 +4104,7 @@
               <a:pPr>
                 <a:defRPr/>
               </a:pPr>
-              <a:t>2/19/2019</a:t>
+              <a:t>10/1/2020</a:t>
             </a:fld>
             <a:endParaRPr lang="en-US" dirty="0">
               <a:solidFill>
@@ -4318,7 +4318,7 @@
               <a:pPr>
                 <a:defRPr/>
               </a:pPr>
-              <a:t>2/19/2019</a:t>
+              <a:t>10/1/2020</a:t>
             </a:fld>
             <a:endParaRPr lang="en-US" dirty="0">
               <a:solidFill>
@@ -4542,7 +4542,7 @@
               <a:pPr>
                 <a:defRPr/>
               </a:pPr>
-              <a:t>2/19/2019</a:t>
+              <a:t>10/1/2020</a:t>
             </a:fld>
             <a:endParaRPr lang="en-US" dirty="0">
               <a:solidFill>
@@ -4752,7 +4752,7 @@
               <a:pPr>
                 <a:defRPr/>
               </a:pPr>
-              <a:t>2/19/2019</a:t>
+              <a:t>10/1/2020</a:t>
             </a:fld>
             <a:endParaRPr lang="en-US" dirty="0">
               <a:solidFill>
@@ -5029,7 +5029,7 @@
               <a:pPr>
                 <a:defRPr/>
               </a:pPr>
-              <a:t>2/19/2019</a:t>
+              <a:t>10/1/2020</a:t>
             </a:fld>
             <a:endParaRPr lang="en-US" dirty="0"/>
           </a:p>
@@ -5336,7 +5336,7 @@
               <a:pPr>
                 <a:defRPr/>
               </a:pPr>
-              <a:t>2/19/2019</a:t>
+              <a:t>10/1/2020</a:t>
             </a:fld>
             <a:endParaRPr lang="en-US" dirty="0"/>
           </a:p>
@@ -5777,7 +5777,7 @@
               <a:pPr>
                 <a:defRPr/>
               </a:pPr>
-              <a:t>2/19/2019</a:t>
+              <a:t>10/1/2020</a:t>
             </a:fld>
             <a:endParaRPr lang="en-US" dirty="0"/>
           </a:p>
@@ -5916,7 +5916,7 @@
               <a:pPr>
                 <a:defRPr/>
               </a:pPr>
-              <a:t>2/19/2019</a:t>
+              <a:t>10/1/2020</a:t>
             </a:fld>
             <a:endParaRPr lang="en-US" dirty="0"/>
           </a:p>
@@ -6033,7 +6033,7 @@
               <a:pPr>
                 <a:defRPr/>
               </a:pPr>
-              <a:t>2/19/2019</a:t>
+              <a:t>10/1/2020</a:t>
             </a:fld>
             <a:endParaRPr lang="en-US" dirty="0"/>
           </a:p>
@@ -6330,7 +6330,7 @@
               <a:pPr>
                 <a:defRPr/>
               </a:pPr>
-              <a:t>2/19/2019</a:t>
+              <a:t>10/1/2020</a:t>
             </a:fld>
             <a:endParaRPr lang="en-US" dirty="0"/>
           </a:p>
@@ -6607,7 +6607,7 @@
               <a:pPr>
                 <a:defRPr/>
               </a:pPr>
-              <a:t>2/19/2019</a:t>
+              <a:t>10/1/2020</a:t>
             </a:fld>
             <a:endParaRPr lang="en-US" dirty="0"/>
           </a:p>
@@ -6864,7 +6864,7 @@
               <a:pPr>
                 <a:defRPr/>
               </a:pPr>
-              <a:t>2/19/2019</a:t>
+              <a:t>10/1/2020</a:t>
             </a:fld>
             <a:endParaRPr lang="en-US" dirty="0"/>
           </a:p>
@@ -7574,7 +7574,7 @@
               <a:pPr>
                 <a:defRPr/>
               </a:pPr>
-              <a:t>2/19/2019</a:t>
+              <a:t>10/1/2020</a:t>
             </a:fld>
             <a:endParaRPr lang="en-US" dirty="0">
               <a:solidFill>
@@ -10358,7 +10358,7 @@
                   <a:srgbClr val="404040"/>
                 </a:solidFill>
               </a:rPr>
-              <a:t>Open Tutorial 9</a:t>
+              <a:t>Open Supplement</a:t>
             </a:r>
           </a:p>
           <a:p>

--- a/Lecture/Programming 1/Programming_1_Lecture.pptx
+++ b/Lecture/Programming 1/Programming_1_Lecture.pptx
@@ -298,7 +298,7 @@
               <a:pPr>
                 <a:defRPr/>
               </a:pPr>
-              <a:t>10/1/2020</a:t>
+              <a:t>10/4/2023</a:t>
             </a:fld>
             <a:endParaRPr lang="en-US" dirty="0"/>
           </a:p>
@@ -510,7 +510,7 @@
               <a:pPr>
                 <a:defRPr/>
               </a:pPr>
-              <a:t>10/1/2020</a:t>
+              <a:t>10/4/2023</a:t>
             </a:fld>
             <a:endParaRPr lang="en-US" dirty="0"/>
           </a:p>
@@ -1029,7 +1029,7 @@
               <a:pPr>
                 <a:defRPr/>
               </a:pPr>
-              <a:t>10/1/2020</a:t>
+              <a:t>10/4/2023</a:t>
             </a:fld>
             <a:endParaRPr lang="en-US" dirty="0"/>
           </a:p>
@@ -1219,7 +1219,7 @@
               <a:pPr>
                 <a:defRPr/>
               </a:pPr>
-              <a:t>10/1/2020</a:t>
+              <a:t>10/4/2023</a:t>
             </a:fld>
             <a:endParaRPr lang="en-US" dirty="0"/>
           </a:p>
@@ -1419,7 +1419,7 @@
               <a:pPr>
                 <a:defRPr/>
               </a:pPr>
-              <a:t>10/1/2020</a:t>
+              <a:t>10/4/2023</a:t>
             </a:fld>
             <a:endParaRPr lang="en-US" dirty="0"/>
           </a:p>
@@ -1687,7 +1687,7 @@
               <a:pPr>
                 <a:defRPr/>
               </a:pPr>
-              <a:t>10/1/2020</a:t>
+              <a:t>10/4/2023</a:t>
             </a:fld>
             <a:endParaRPr lang="en-US" dirty="0">
               <a:solidFill>
@@ -1901,7 +1901,7 @@
               <a:pPr>
                 <a:defRPr/>
               </a:pPr>
-              <a:t>10/1/2020</a:t>
+              <a:t>10/4/2023</a:t>
             </a:fld>
             <a:endParaRPr lang="en-US" dirty="0">
               <a:solidFill>
@@ -2192,7 +2192,7 @@
               <a:pPr>
                 <a:defRPr/>
               </a:pPr>
-              <a:t>10/1/2020</a:t>
+              <a:t>10/4/2023</a:t>
             </a:fld>
             <a:endParaRPr lang="en-US" dirty="0">
               <a:solidFill>
@@ -2523,7 +2523,7 @@
               <a:pPr>
                 <a:defRPr/>
               </a:pPr>
-              <a:t>10/1/2020</a:t>
+              <a:t>10/4/2023</a:t>
             </a:fld>
             <a:endParaRPr lang="en-US" dirty="0">
               <a:solidFill>
@@ -2988,7 +2988,7 @@
               <a:pPr>
                 <a:defRPr/>
               </a:pPr>
-              <a:t>10/1/2020</a:t>
+              <a:t>10/4/2023</a:t>
             </a:fld>
             <a:endParaRPr lang="en-US" dirty="0">
               <a:solidFill>
@@ -3151,7 +3151,7 @@
               <a:pPr>
                 <a:defRPr/>
               </a:pPr>
-              <a:t>10/1/2020</a:t>
+              <a:t>10/4/2023</a:t>
             </a:fld>
             <a:endParaRPr lang="en-US" dirty="0">
               <a:solidFill>
@@ -3292,7 +3292,7 @@
               <a:pPr>
                 <a:defRPr/>
               </a:pPr>
-              <a:t>10/1/2020</a:t>
+              <a:t>10/4/2023</a:t>
             </a:fld>
             <a:endParaRPr lang="en-US" dirty="0">
               <a:solidFill>
@@ -3613,7 +3613,7 @@
               <a:pPr>
                 <a:defRPr/>
               </a:pPr>
-              <a:t>10/1/2020</a:t>
+              <a:t>10/4/2023</a:t>
             </a:fld>
             <a:endParaRPr lang="en-US" dirty="0">
               <a:solidFill>
@@ -3821,7 +3821,7 @@
               <a:pPr>
                 <a:defRPr/>
               </a:pPr>
-              <a:t>10/1/2020</a:t>
+              <a:t>10/4/2023</a:t>
             </a:fld>
             <a:endParaRPr lang="en-US" dirty="0"/>
           </a:p>
@@ -4104,7 +4104,7 @@
               <a:pPr>
                 <a:defRPr/>
               </a:pPr>
-              <a:t>10/1/2020</a:t>
+              <a:t>10/4/2023</a:t>
             </a:fld>
             <a:endParaRPr lang="en-US" dirty="0">
               <a:solidFill>
@@ -4318,7 +4318,7 @@
               <a:pPr>
                 <a:defRPr/>
               </a:pPr>
-              <a:t>10/1/2020</a:t>
+              <a:t>10/4/2023</a:t>
             </a:fld>
             <a:endParaRPr lang="en-US" dirty="0">
               <a:solidFill>
@@ -4542,7 +4542,7 @@
               <a:pPr>
                 <a:defRPr/>
               </a:pPr>
-              <a:t>10/1/2020</a:t>
+              <a:t>10/4/2023</a:t>
             </a:fld>
             <a:endParaRPr lang="en-US" dirty="0">
               <a:solidFill>
@@ -4752,7 +4752,7 @@
               <a:pPr>
                 <a:defRPr/>
               </a:pPr>
-              <a:t>10/1/2020</a:t>
+              <a:t>10/4/2023</a:t>
             </a:fld>
             <a:endParaRPr lang="en-US" dirty="0">
               <a:solidFill>
@@ -5029,7 +5029,7 @@
               <a:pPr>
                 <a:defRPr/>
               </a:pPr>
-              <a:t>10/1/2020</a:t>
+              <a:t>10/4/2023</a:t>
             </a:fld>
             <a:endParaRPr lang="en-US" dirty="0"/>
           </a:p>
@@ -5336,7 +5336,7 @@
               <a:pPr>
                 <a:defRPr/>
               </a:pPr>
-              <a:t>10/1/2020</a:t>
+              <a:t>10/4/2023</a:t>
             </a:fld>
             <a:endParaRPr lang="en-US" dirty="0"/>
           </a:p>
@@ -5777,7 +5777,7 @@
               <a:pPr>
                 <a:defRPr/>
               </a:pPr>
-              <a:t>10/1/2020</a:t>
+              <a:t>10/4/2023</a:t>
             </a:fld>
             <a:endParaRPr lang="en-US" dirty="0"/>
           </a:p>
@@ -5916,7 +5916,7 @@
               <a:pPr>
                 <a:defRPr/>
               </a:pPr>
-              <a:t>10/1/2020</a:t>
+              <a:t>10/4/2023</a:t>
             </a:fld>
             <a:endParaRPr lang="en-US" dirty="0"/>
           </a:p>
@@ -6033,7 +6033,7 @@
               <a:pPr>
                 <a:defRPr/>
               </a:pPr>
-              <a:t>10/1/2020</a:t>
+              <a:t>10/4/2023</a:t>
             </a:fld>
             <a:endParaRPr lang="en-US" dirty="0"/>
           </a:p>
@@ -6330,7 +6330,7 @@
               <a:pPr>
                 <a:defRPr/>
               </a:pPr>
-              <a:t>10/1/2020</a:t>
+              <a:t>10/4/2023</a:t>
             </a:fld>
             <a:endParaRPr lang="en-US" dirty="0"/>
           </a:p>
@@ -6607,7 +6607,7 @@
               <a:pPr>
                 <a:defRPr/>
               </a:pPr>
-              <a:t>10/1/2020</a:t>
+              <a:t>10/4/2023</a:t>
             </a:fld>
             <a:endParaRPr lang="en-US" dirty="0"/>
           </a:p>
@@ -6864,7 +6864,7 @@
               <a:pPr>
                 <a:defRPr/>
               </a:pPr>
-              <a:t>10/1/2020</a:t>
+              <a:t>10/4/2023</a:t>
             </a:fld>
             <a:endParaRPr lang="en-US" dirty="0"/>
           </a:p>
@@ -7574,7 +7574,7 @@
               <a:pPr>
                 <a:defRPr/>
               </a:pPr>
-              <a:t>10/1/2020</a:t>
+              <a:t>10/4/2023</a:t>
             </a:fld>
             <a:endParaRPr lang="en-US" dirty="0">
               <a:solidFill>
@@ -9829,7 +9829,7 @@
         <p:spPr>
           <a:xfrm>
             <a:off x="3810000" y="533400"/>
-            <a:ext cx="5105400" cy="7694414"/>
+            <a:ext cx="5105400" cy="7325082"/>
           </a:xfrm>
           <a:prstGeom prst="rect">
             <a:avLst/>
@@ -9865,7 +9865,7 @@
                   <a:srgbClr val="404040"/>
                 </a:solidFill>
               </a:rPr>
-              <a:t>Important Reading to Consider</a:t>
+              <a:t>Important Reading </a:t>
             </a:r>
           </a:p>
           <a:p>
@@ -9886,7 +9886,7 @@
                 <a:uLnTx/>
                 <a:uFillTx/>
               </a:rPr>
-              <a:t>Chapters 15-17 in R4DS</a:t>
+              <a:t>Ch. 15-17 in R4DS</a:t>
             </a:r>
           </a:p>
           <a:p>
@@ -9907,7 +9907,7 @@
                 <a:uLnTx/>
                 <a:uFillTx/>
               </a:rPr>
-              <a:t>Chapters 14-18 in RP4DS</a:t>
+              <a:t>Ch. 10-11 in RPZP</a:t>
             </a:r>
           </a:p>
           <a:p>
@@ -9917,59 +9917,26 @@
               <a:defRPr/>
             </a:pPr>
             <a:r>
-              <a:rPr kumimoji="0" lang="en-US" b="0" i="0" u="none" strike="noStrike" kern="1200" cap="none" spc="0" normalizeH="0" baseline="0" noProof="0" dirty="0">
-                <a:ln>
-                  <a:noFill/>
-                </a:ln>
+              <a:rPr lang="en-US" dirty="0">
                 <a:solidFill>
                   <a:srgbClr val="404040"/>
                 </a:solidFill>
-                <a:effectLst/>
-                <a:uLnTx/>
-                <a:uFillTx/>
               </a:rPr>
-              <a:t>Chapter 7 in </a:t>
-            </a:r>
-            <a:r>
-              <a:rPr kumimoji="0" lang="en-US" b="0" i="0" u="none" strike="noStrike" kern="1200" cap="none" spc="0" normalizeH="0" baseline="0" noProof="0" dirty="0" err="1">
-                <a:ln>
-                  <a:noFill/>
-                </a:ln>
+              <a:t>Ch. </a:t>
+            </a:r>
+            <a:r>
+              <a:rPr lang="en-US">
                 <a:solidFill>
                   <a:srgbClr val="404040"/>
                 </a:solidFill>
-                <a:effectLst/>
-                <a:uLnTx/>
-                <a:uFillTx/>
               </a:rPr>
-              <a:t>AoRP</a:t>
-            </a:r>
-            <a:endParaRPr kumimoji="0" lang="en-US" b="0" i="0" u="none" strike="noStrike" kern="1200" cap="none" spc="0" normalizeH="0" baseline="0" noProof="0" dirty="0">
-              <a:ln>
-                <a:noFill/>
-              </a:ln>
+              <a:t>2.3,2.4,9,11 in HOPR</a:t>
+            </a:r>
+            <a:endParaRPr lang="en-US" dirty="0">
               <a:solidFill>
                 <a:srgbClr val="404040"/>
               </a:solidFill>
-              <a:effectLst/>
-              <a:uLnTx/>
-              <a:uFillTx/>
             </a:endParaRPr>
-          </a:p>
-          <a:p>
-            <a:pPr marL="800100" lvl="1" indent="-342900">
-              <a:buFont typeface="Arial" panose="020B0604020202020204" pitchFamily="34" charset="0"/>
-              <a:buChar char="•"/>
-              <a:defRPr/>
-            </a:pPr>
-            <a:r>
-              <a:rPr lang="en-US" dirty="0">
-                <a:solidFill>
-                  <a:srgbClr val="404040"/>
-                </a:solidFill>
-              </a:rPr>
-              <a:t>Chapter 4 in FCSPR</a:t>
-            </a:r>
           </a:p>
           <a:p>
             <a:pPr marL="800100" lvl="1" indent="-342900">
